--- a/course 2/course2-onclass.pptx
+++ b/course 2/course2-onclass.pptx
@@ -112,6 +112,11 @@
       </a:defRPr>
     </a:lvl9pPr>
   </p:defaultTextStyle>
+  <p:extLst>
+    <p:ext uri="{EFAFB233-063F-42B5-8137-9DF3F51BA10A}">
+      <p15:sldGuideLst xmlns:p15="http://schemas.microsoft.com/office/powerpoint/2012/main"/>
+    </p:ext>
+  </p:extLst>
 </p:presentation>
 </file>
 
@@ -246,7 +251,7 @@
           <a:p>
             <a:fld id="{E53B49B4-37EB-A448-8CF5-38BBB3736186}" type="datetimeFigureOut">
               <a:rPr kumimoji="1" lang="zh-TW" altLang="en-US" smtClean="0"/>
-              <a:t>2017/11/16</a:t>
+              <a:t>2017/11/21</a:t>
             </a:fld>
             <a:endParaRPr kumimoji="1" lang="zh-TW" altLang="en-US"/>
           </a:p>
@@ -416,7 +421,7 @@
           <a:p>
             <a:fld id="{E53B49B4-37EB-A448-8CF5-38BBB3736186}" type="datetimeFigureOut">
               <a:rPr kumimoji="1" lang="zh-TW" altLang="en-US" smtClean="0"/>
-              <a:t>2017/11/16</a:t>
+              <a:t>2017/11/21</a:t>
             </a:fld>
             <a:endParaRPr kumimoji="1" lang="zh-TW" altLang="en-US"/>
           </a:p>
@@ -596,7 +601,7 @@
           <a:p>
             <a:fld id="{E53B49B4-37EB-A448-8CF5-38BBB3736186}" type="datetimeFigureOut">
               <a:rPr kumimoji="1" lang="zh-TW" altLang="en-US" smtClean="0"/>
-              <a:t>2017/11/16</a:t>
+              <a:t>2017/11/21</a:t>
             </a:fld>
             <a:endParaRPr kumimoji="1" lang="zh-TW" altLang="en-US"/>
           </a:p>
@@ -766,7 +771,7 @@
           <a:p>
             <a:fld id="{E53B49B4-37EB-A448-8CF5-38BBB3736186}" type="datetimeFigureOut">
               <a:rPr kumimoji="1" lang="zh-TW" altLang="en-US" smtClean="0"/>
-              <a:t>2017/11/16</a:t>
+              <a:t>2017/11/21</a:t>
             </a:fld>
             <a:endParaRPr kumimoji="1" lang="zh-TW" altLang="en-US"/>
           </a:p>
@@ -1012,7 +1017,7 @@
           <a:p>
             <a:fld id="{E53B49B4-37EB-A448-8CF5-38BBB3736186}" type="datetimeFigureOut">
               <a:rPr kumimoji="1" lang="zh-TW" altLang="en-US" smtClean="0"/>
-              <a:t>2017/11/16</a:t>
+              <a:t>2017/11/21</a:t>
             </a:fld>
             <a:endParaRPr kumimoji="1" lang="zh-TW" altLang="en-US"/>
           </a:p>
@@ -1244,7 +1249,7 @@
           <a:p>
             <a:fld id="{E53B49B4-37EB-A448-8CF5-38BBB3736186}" type="datetimeFigureOut">
               <a:rPr kumimoji="1" lang="zh-TW" altLang="en-US" smtClean="0"/>
-              <a:t>2017/11/16</a:t>
+              <a:t>2017/11/21</a:t>
             </a:fld>
             <a:endParaRPr kumimoji="1" lang="zh-TW" altLang="en-US"/>
           </a:p>
@@ -1611,7 +1616,7 @@
           <a:p>
             <a:fld id="{E53B49B4-37EB-A448-8CF5-38BBB3736186}" type="datetimeFigureOut">
               <a:rPr kumimoji="1" lang="zh-TW" altLang="en-US" smtClean="0"/>
-              <a:t>2017/11/16</a:t>
+              <a:t>2017/11/21</a:t>
             </a:fld>
             <a:endParaRPr kumimoji="1" lang="zh-TW" altLang="en-US"/>
           </a:p>
@@ -1729,7 +1734,7 @@
           <a:p>
             <a:fld id="{E53B49B4-37EB-A448-8CF5-38BBB3736186}" type="datetimeFigureOut">
               <a:rPr kumimoji="1" lang="zh-TW" altLang="en-US" smtClean="0"/>
-              <a:t>2017/11/16</a:t>
+              <a:t>2017/11/21</a:t>
             </a:fld>
             <a:endParaRPr kumimoji="1" lang="zh-TW" altLang="en-US"/>
           </a:p>
@@ -1824,7 +1829,7 @@
           <a:p>
             <a:fld id="{E53B49B4-37EB-A448-8CF5-38BBB3736186}" type="datetimeFigureOut">
               <a:rPr kumimoji="1" lang="zh-TW" altLang="en-US" smtClean="0"/>
-              <a:t>2017/11/16</a:t>
+              <a:t>2017/11/21</a:t>
             </a:fld>
             <a:endParaRPr kumimoji="1" lang="zh-TW" altLang="en-US"/>
           </a:p>
@@ -2101,7 +2106,7 @@
           <a:p>
             <a:fld id="{E53B49B4-37EB-A448-8CF5-38BBB3736186}" type="datetimeFigureOut">
               <a:rPr kumimoji="1" lang="zh-TW" altLang="en-US" smtClean="0"/>
-              <a:t>2017/11/16</a:t>
+              <a:t>2017/11/21</a:t>
             </a:fld>
             <a:endParaRPr kumimoji="1" lang="zh-TW" altLang="en-US"/>
           </a:p>
@@ -2354,7 +2359,7 @@
           <a:p>
             <a:fld id="{E53B49B4-37EB-A448-8CF5-38BBB3736186}" type="datetimeFigureOut">
               <a:rPr kumimoji="1" lang="zh-TW" altLang="en-US" smtClean="0"/>
-              <a:t>2017/11/16</a:t>
+              <a:t>2017/11/21</a:t>
             </a:fld>
             <a:endParaRPr kumimoji="1" lang="zh-TW" altLang="en-US"/>
           </a:p>
@@ -2567,7 +2572,7 @@
           <a:p>
             <a:fld id="{E53B49B4-37EB-A448-8CF5-38BBB3736186}" type="datetimeFigureOut">
               <a:rPr kumimoji="1" lang="zh-TW" altLang="en-US" smtClean="0"/>
-              <a:t>2017/11/16</a:t>
+              <a:t>2017/11/21</a:t>
             </a:fld>
             <a:endParaRPr kumimoji="1" lang="zh-TW" altLang="en-US"/>
           </a:p>
@@ -3450,11 +3455,7 @@
             </a:r>
             <a:r>
               <a:rPr kumimoji="1" lang="mr-IN" altLang="zh-TW" dirty="0" smtClean="0"/>
-              <a:t>–</a:t>
-            </a:r>
-            <a:r>
-              <a:rPr kumimoji="1" lang="mr-IN" altLang="zh-TW" dirty="0" smtClean="0"/>
-              <a:t>–</a:t>
+              <a:t>––</a:t>
             </a:r>
             <a:r>
               <a:rPr kumimoji="1" lang="en-US" altLang="zh-TW" dirty="0" err="1" smtClean="0"/>
@@ -3571,12 +3572,12 @@
         <p:spPr>
           <a:xfrm>
             <a:off x="838200" y="986972"/>
-            <a:ext cx="10515600" cy="5189991"/>
+            <a:ext cx="10515600" cy="5675085"/>
           </a:xfrm>
         </p:spPr>
         <p:txBody>
           <a:bodyPr>
-            <a:normAutofit fontScale="85000" lnSpcReduction="20000"/>
+            <a:normAutofit fontScale="70000" lnSpcReduction="20000"/>
           </a:bodyPr>
           <a:lstStyle/>
           <a:p>
@@ -3610,11 +3611,7 @@
             </a:r>
             <a:r>
               <a:rPr kumimoji="1" lang="en-US" altLang="zh-TW" dirty="0" smtClean="0"/>
-              <a:t>onv layer </a:t>
-            </a:r>
-            <a:r>
-              <a:rPr kumimoji="1" lang="en-US" altLang="zh-TW" dirty="0" smtClean="0"/>
-              <a:t>(feature size: 32, filter: 5*5), stride = 1</a:t>
+              <a:t>onv layer (feature size: 32, filter: 5*5), stride = 1</a:t>
             </a:r>
           </a:p>
           <a:p>
@@ -3636,7 +3633,6 @@
               <a:rPr kumimoji="1" lang="en-US" altLang="zh-TW" dirty="0" smtClean="0"/>
               <a:t>2*2 max pooling, stride = 2</a:t>
             </a:r>
-            <a:endParaRPr kumimoji="1" lang="en-US" altLang="zh-TW" dirty="0" smtClean="0"/>
           </a:p>
           <a:p>
             <a:r>
@@ -3734,31 +3730,86 @@
               <a:rPr kumimoji="1" lang="en-US" altLang="zh-TW" dirty="0" smtClean="0"/>
               <a:t>RELU activation function</a:t>
             </a:r>
-            <a:endParaRPr kumimoji="1" lang="en-US" altLang="zh-TW" dirty="0" smtClean="0"/>
           </a:p>
           <a:p>
             <a:r>
               <a:rPr kumimoji="1" lang="en-US" altLang="zh-TW" dirty="0" smtClean="0"/>
-              <a:t>Layer 4</a:t>
-            </a:r>
-          </a:p>
-          <a:p>
-            <a:pPr marL="914400" lvl="1" indent="-457200">
+              <a:t>Layer </a:t>
+            </a:r>
+            <a:r>
+              <a:rPr kumimoji="1" lang="en-US" altLang="zh-TW" dirty="0" smtClean="0"/>
+              <a:t>4</a:t>
+            </a:r>
+          </a:p>
+          <a:p>
+            <a:pPr marL="971550" lvl="1" indent="-514350">
               <a:buFont typeface="+mj-lt"/>
               <a:buAutoNum type="arabicPeriod"/>
             </a:pPr>
             <a:r>
+              <a:rPr kumimoji="1" lang="en-US" altLang="zh-TW" dirty="0"/>
+              <a:t>Dropout (keep </a:t>
+            </a:r>
+            <a:r>
+              <a:rPr kumimoji="1" lang="en-US" altLang="zh-TW" dirty="0" err="1"/>
+              <a:t>prob</a:t>
+            </a:r>
+            <a:r>
+              <a:rPr kumimoji="1" lang="en-US" altLang="zh-TW" dirty="0"/>
+              <a:t> = 0.5</a:t>
+            </a:r>
+            <a:r>
               <a:rPr kumimoji="1" lang="en-US" altLang="zh-TW" dirty="0" smtClean="0"/>
-              <a:t>Dropout (keep </a:t>
-            </a:r>
-            <a:r>
-              <a:rPr kumimoji="1" lang="en-US" altLang="zh-TW" dirty="0" err="1" smtClean="0"/>
-              <a:t>prob</a:t>
-            </a:r>
+              <a:t>)</a:t>
+            </a:r>
+            <a:endParaRPr kumimoji="1" lang="en-US" altLang="zh-TW" dirty="0" smtClean="0"/>
+          </a:p>
+          <a:p>
             <a:r>
               <a:rPr kumimoji="1" lang="en-US" altLang="zh-TW" dirty="0" smtClean="0"/>
-              <a:t> = 0.5)</a:t>
-            </a:r>
+              <a:t>Layer 5</a:t>
+            </a:r>
+            <a:endParaRPr kumimoji="1" lang="en-US" altLang="zh-TW" dirty="0" smtClean="0"/>
+          </a:p>
+          <a:p>
+            <a:pPr marL="971550" lvl="1" indent="-514350">
+              <a:buFont typeface="+mj-lt"/>
+              <a:buAutoNum type="arabicPeriod"/>
+            </a:pPr>
+            <a:r>
+              <a:rPr kumimoji="1" lang="en-US" altLang="zh-TW" dirty="0"/>
+              <a:t>Input dimension </a:t>
+            </a:r>
+            <a:r>
+              <a:rPr kumimoji="1" lang="en-US" altLang="zh-TW" dirty="0" smtClean="0"/>
+              <a:t>1024</a:t>
+            </a:r>
+            <a:endParaRPr kumimoji="1" lang="en-US" altLang="zh-TW" dirty="0"/>
+          </a:p>
+          <a:p>
+            <a:pPr marL="971550" lvl="1" indent="-514350">
+              <a:buFont typeface="+mj-lt"/>
+              <a:buAutoNum type="arabicPeriod"/>
+            </a:pPr>
+            <a:r>
+              <a:rPr kumimoji="1" lang="en-US" altLang="zh-TW" dirty="0"/>
+              <a:t>Fully connected</a:t>
+            </a:r>
+          </a:p>
+          <a:p>
+            <a:pPr marL="971550" lvl="1" indent="-514350">
+              <a:buFont typeface="+mj-lt"/>
+              <a:buAutoNum type="arabicPeriod"/>
+            </a:pPr>
+            <a:r>
+              <a:rPr kumimoji="1" lang="en-US" altLang="zh-TW" dirty="0"/>
+              <a:t>Output Dimension </a:t>
+            </a:r>
+            <a:r>
+              <a:rPr kumimoji="1" lang="en-US" altLang="zh-TW" dirty="0" smtClean="0"/>
+              <a:t>10</a:t>
+            </a:r>
+            <a:endParaRPr kumimoji="1" lang="en-US" altLang="zh-TW" dirty="0"/>
           </a:p>
         </p:txBody>
       </p:sp>
